--- a/TDD on TypeScript.pptx
+++ b/TDD on TypeScript.pptx
@@ -127,10 +127,6 @@
 </p:presentation>
 </file>
 
-<file path=ppt/revisionInfo.xml><?xml version="1.0" encoding="utf-8"?>
-<p1510:revInfo xmlns:a="http://schemas.openxmlformats.org/drawingml/2006/main" xmlns:r="http://schemas.openxmlformats.org/officeDocument/2006/relationships" xmlns:p1510="http://schemas.microsoft.com/office/powerpoint/2015/10/main"/>
-</file>
-
 <file path=ppt/handoutMasters/handoutMaster1.xml><?xml version="1.0" encoding="utf-8"?>
 <p:handoutMaster xmlns:a="http://schemas.openxmlformats.org/drawingml/2006/main" xmlns:r="http://schemas.openxmlformats.org/officeDocument/2006/relationships" xmlns:p="http://schemas.openxmlformats.org/presentationml/2006/main">
   <p:cSld>
@@ -213,7 +209,7 @@
           <a:p>
             <a:fld id="{65700FC0-9E7A-4C53-8A3B-3C3C9A736C42}" type="datetimeFigureOut">
               <a:rPr lang="en-US" smtClean="0"/>
-              <a:t>22-Apr-19</a:t>
+              <a:t>4/23/2019</a:t>
             </a:fld>
             <a:endParaRPr lang="en-US"/>
           </a:p>
@@ -378,7 +374,7 @@
           <a:p>
             <a:fld id="{8AF122B6-E47E-4A80-A9F3-23FD10D674FE}" type="datetimeFigureOut">
               <a:rPr lang="en-US" smtClean="0"/>
-              <a:t>22-Apr-19</a:t>
+              <a:t>4/23/2019</a:t>
             </a:fld>
             <a:endParaRPr lang="en-US"/>
           </a:p>
@@ -692,7 +688,7 @@
           </a:lstStyle>
           <a:p>
             <a:r>
-              <a:rPr lang="en-US" smtClean="0"/>
+              <a:rPr lang="en-US"/>
               <a:t>Click to edit Master title style</a:t>
             </a:r>
             <a:endParaRPr lang="en-US" dirty="0"/>
@@ -811,7 +807,7 @@
           </a:lstStyle>
           <a:p>
             <a:r>
-              <a:rPr lang="en-US" smtClean="0"/>
+              <a:rPr lang="en-US"/>
               <a:t>Click to edit Master subtitle style</a:t>
             </a:r>
             <a:endParaRPr lang="en-US" dirty="0"/>
@@ -874,7 +870,7 @@
             <a:fld id="{349BF3EA-1A78-4F07-BDC0-C8A1BD461199}" type="datetimeFigureOut">
               <a:rPr lang="en-US" smtClean="0"/>
               <a:pPr/>
-              <a:t>22-Apr-19</a:t>
+              <a:t>4/23/2019</a:t>
             </a:fld>
             <a:endParaRPr lang="en-US"/>
           </a:p>
@@ -976,7 +972,7 @@
           </a:lstStyle>
           <a:p>
             <a:r>
-              <a:rPr lang="en-US" smtClean="0"/>
+              <a:rPr lang="en-US"/>
               <a:t>Click to edit Master title style</a:t>
             </a:r>
             <a:endParaRPr lang="en-US" dirty="0"/>
@@ -1000,35 +996,35 @@
           <a:p>
             <a:pPr lvl="0"/>
             <a:r>
-              <a:rPr lang="en-US" smtClean="0"/>
+              <a:rPr lang="en-US"/>
               <a:t>Edit Master text styles</a:t>
             </a:r>
           </a:p>
           <a:p>
             <a:pPr lvl="1"/>
             <a:r>
-              <a:rPr lang="en-US" smtClean="0"/>
+              <a:rPr lang="en-US"/>
               <a:t>Second level</a:t>
             </a:r>
           </a:p>
           <a:p>
             <a:pPr lvl="2"/>
             <a:r>
-              <a:rPr lang="en-US" smtClean="0"/>
+              <a:rPr lang="en-US"/>
               <a:t>Third level</a:t>
             </a:r>
           </a:p>
           <a:p>
             <a:pPr lvl="3"/>
             <a:r>
-              <a:rPr lang="en-US" smtClean="0"/>
+              <a:rPr lang="en-US"/>
               <a:t>Fourth level</a:t>
             </a:r>
           </a:p>
           <a:p>
             <a:pPr lvl="4"/>
             <a:r>
-              <a:rPr lang="en-US" smtClean="0"/>
+              <a:rPr lang="en-US"/>
               <a:t>Fifth level</a:t>
             </a:r>
             <a:endParaRPr lang="en-US" dirty="0"/>
@@ -1074,7 +1070,7 @@
           <a:p>
             <a:fld id="{349BF3EA-1A78-4F07-BDC0-C8A1BD461199}" type="datetimeFigureOut">
               <a:rPr lang="en-US" smtClean="0"/>
-              <a:t>22-Apr-19</a:t>
+              <a:t>4/23/2019</a:t>
             </a:fld>
             <a:endParaRPr lang="en-US"/>
           </a:p>
@@ -1172,7 +1168,7 @@
           </a:lstStyle>
           <a:p>
             <a:r>
-              <a:rPr lang="en-US" smtClean="0"/>
+              <a:rPr lang="en-US"/>
               <a:t>Click to edit Master title style</a:t>
             </a:r>
             <a:endParaRPr lang="en-US" dirty="0"/>
@@ -1201,35 +1197,35 @@
           <a:p>
             <a:pPr lvl="0"/>
             <a:r>
-              <a:rPr lang="en-US" smtClean="0"/>
+              <a:rPr lang="en-US"/>
               <a:t>Edit Master text styles</a:t>
             </a:r>
           </a:p>
           <a:p>
             <a:pPr lvl="1"/>
             <a:r>
-              <a:rPr lang="en-US" smtClean="0"/>
+              <a:rPr lang="en-US"/>
               <a:t>Second level</a:t>
             </a:r>
           </a:p>
           <a:p>
             <a:pPr lvl="2"/>
             <a:r>
-              <a:rPr lang="en-US" smtClean="0"/>
+              <a:rPr lang="en-US"/>
               <a:t>Third level</a:t>
             </a:r>
           </a:p>
           <a:p>
             <a:pPr lvl="3"/>
             <a:r>
-              <a:rPr lang="en-US" smtClean="0"/>
+              <a:rPr lang="en-US"/>
               <a:t>Fourth level</a:t>
             </a:r>
           </a:p>
           <a:p>
             <a:pPr lvl="4"/>
             <a:r>
-              <a:rPr lang="en-US" smtClean="0"/>
+              <a:rPr lang="en-US"/>
               <a:t>Fifth level</a:t>
             </a:r>
             <a:endParaRPr lang="en-US" dirty="0"/>
@@ -1275,7 +1271,7 @@
           <a:p>
             <a:fld id="{349BF3EA-1A78-4F07-BDC0-C8A1BD461199}" type="datetimeFigureOut">
               <a:rPr lang="en-US" smtClean="0"/>
-              <a:t>22-Apr-19</a:t>
+              <a:t>4/23/2019</a:t>
             </a:fld>
             <a:endParaRPr lang="en-US"/>
           </a:p>
@@ -1362,7 +1358,7 @@
           <a:lstStyle/>
           <a:p>
             <a:r>
-              <a:rPr lang="en-US" smtClean="0"/>
+              <a:rPr lang="en-US"/>
               <a:t>Click to edit Master title style</a:t>
             </a:r>
             <a:endParaRPr lang="en-US" dirty="0"/>
@@ -1452,35 +1448,35 @@
           <a:p>
             <a:pPr lvl="0"/>
             <a:r>
-              <a:rPr lang="en-US" smtClean="0"/>
+              <a:rPr lang="en-US"/>
               <a:t>Edit Master text styles</a:t>
             </a:r>
           </a:p>
           <a:p>
             <a:pPr lvl="1"/>
             <a:r>
-              <a:rPr lang="en-US" smtClean="0"/>
+              <a:rPr lang="en-US"/>
               <a:t>Second level</a:t>
             </a:r>
           </a:p>
           <a:p>
             <a:pPr lvl="2"/>
             <a:r>
-              <a:rPr lang="en-US" smtClean="0"/>
+              <a:rPr lang="en-US"/>
               <a:t>Third level</a:t>
             </a:r>
           </a:p>
           <a:p>
             <a:pPr lvl="3"/>
             <a:r>
-              <a:rPr lang="en-US" smtClean="0"/>
+              <a:rPr lang="en-US"/>
               <a:t>Fourth level</a:t>
             </a:r>
           </a:p>
           <a:p>
             <a:pPr lvl="4"/>
             <a:r>
-              <a:rPr lang="en-US" smtClean="0"/>
+              <a:rPr lang="en-US"/>
               <a:t>Fifth level</a:t>
             </a:r>
             <a:endParaRPr lang="en-US" dirty="0"/>
@@ -1526,7 +1522,7 @@
           <a:p>
             <a:fld id="{349BF3EA-1A78-4F07-BDC0-C8A1BD461199}" type="datetimeFigureOut">
               <a:rPr lang="en-US" smtClean="0"/>
-              <a:t>22-Apr-19</a:t>
+              <a:t>4/23/2019</a:t>
             </a:fld>
             <a:endParaRPr lang="en-US" dirty="0"/>
           </a:p>
@@ -1787,7 +1783,7 @@
           </a:lstStyle>
           <a:p>
             <a:r>
-              <a:rPr lang="en-US" smtClean="0"/>
+              <a:rPr lang="en-US"/>
               <a:t>Click to edit Master title style</a:t>
             </a:r>
             <a:endParaRPr lang="en-US" dirty="0"/>
@@ -1905,7 +1901,7 @@
           <a:p>
             <a:pPr lvl="0"/>
             <a:r>
-              <a:rPr lang="en-US" smtClean="0"/>
+              <a:rPr lang="en-US"/>
               <a:t>Edit Master text styles</a:t>
             </a:r>
           </a:p>
@@ -1950,7 +1946,7 @@
           <a:p>
             <a:fld id="{349BF3EA-1A78-4F07-BDC0-C8A1BD461199}" type="datetimeFigureOut">
               <a:rPr lang="en-US" smtClean="0"/>
-              <a:t>22-Apr-19</a:t>
+              <a:t>4/23/2019</a:t>
             </a:fld>
             <a:endParaRPr lang="en-US"/>
           </a:p>
@@ -2043,7 +2039,7 @@
           </a:lstStyle>
           <a:p>
             <a:r>
-              <a:rPr lang="en-US" smtClean="0"/>
+              <a:rPr lang="en-US"/>
               <a:t>Click to edit Master title style</a:t>
             </a:r>
             <a:endParaRPr lang="en-US" dirty="0"/>
@@ -2072,38 +2068,37 @@
           <a:p>
             <a:pPr lvl="0"/>
             <a:r>
-              <a:rPr lang="en-US" smtClean="0"/>
+              <a:rPr lang="en-US"/>
               <a:t>Edit Master text styles</a:t>
             </a:r>
           </a:p>
           <a:p>
             <a:pPr lvl="1"/>
             <a:r>
-              <a:rPr lang="en-US" smtClean="0"/>
+              <a:rPr lang="en-US"/>
               <a:t>Second level</a:t>
             </a:r>
           </a:p>
           <a:p>
             <a:pPr lvl="2"/>
             <a:r>
-              <a:rPr lang="en-US" smtClean="0"/>
+              <a:rPr lang="en-US"/>
               <a:t>Third level</a:t>
             </a:r>
           </a:p>
           <a:p>
             <a:pPr lvl="3"/>
             <a:r>
-              <a:rPr lang="en-US" smtClean="0"/>
+              <a:rPr lang="en-US"/>
               <a:t>Fourth level</a:t>
             </a:r>
           </a:p>
           <a:p>
             <a:pPr lvl="4"/>
             <a:r>
-              <a:rPr lang="en-US" smtClean="0"/>
+              <a:rPr lang="en-US"/>
               <a:t>Fifth level</a:t>
             </a:r>
-            <a:endParaRPr lang="en-US"/>
           </a:p>
         </p:txBody>
       </p:sp>
@@ -2157,35 +2152,35 @@
           <a:p>
             <a:pPr lvl="0"/>
             <a:r>
-              <a:rPr lang="en-US" smtClean="0"/>
+              <a:rPr lang="en-US"/>
               <a:t>Edit Master text styles</a:t>
             </a:r>
           </a:p>
           <a:p>
             <a:pPr lvl="1"/>
             <a:r>
-              <a:rPr lang="en-US" smtClean="0"/>
+              <a:rPr lang="en-US"/>
               <a:t>Second level</a:t>
             </a:r>
           </a:p>
           <a:p>
             <a:pPr lvl="2"/>
             <a:r>
-              <a:rPr lang="en-US" smtClean="0"/>
+              <a:rPr lang="en-US"/>
               <a:t>Third level</a:t>
             </a:r>
           </a:p>
           <a:p>
             <a:pPr lvl="3"/>
             <a:r>
-              <a:rPr lang="en-US" smtClean="0"/>
+              <a:rPr lang="en-US"/>
               <a:t>Fourth level</a:t>
             </a:r>
           </a:p>
           <a:p>
             <a:pPr lvl="4"/>
             <a:r>
-              <a:rPr lang="en-US" smtClean="0"/>
+              <a:rPr lang="en-US"/>
               <a:t>Fifth level</a:t>
             </a:r>
             <a:endParaRPr lang="en-US" dirty="0"/>
@@ -2231,7 +2226,7 @@
           <a:p>
             <a:fld id="{349BF3EA-1A78-4F07-BDC0-C8A1BD461199}" type="datetimeFigureOut">
               <a:rPr lang="en-US" smtClean="0"/>
-              <a:t>22-Apr-19</a:t>
+              <a:t>4/23/2019</a:t>
             </a:fld>
             <a:endParaRPr lang="en-US"/>
           </a:p>
@@ -2324,7 +2319,7 @@
           </a:lstStyle>
           <a:p>
             <a:r>
-              <a:rPr lang="en-US" smtClean="0"/>
+              <a:rPr lang="en-US"/>
               <a:t>Click to edit Master title style</a:t>
             </a:r>
             <a:endParaRPr lang="en-US" dirty="0"/>
@@ -2394,7 +2389,7 @@
           <a:p>
             <a:pPr lvl="0"/>
             <a:r>
-              <a:rPr lang="en-US" smtClean="0"/>
+              <a:rPr lang="en-US"/>
               <a:t>Edit Master text styles</a:t>
             </a:r>
           </a:p>
@@ -2422,35 +2417,35 @@
           <a:p>
             <a:pPr lvl="0"/>
             <a:r>
-              <a:rPr lang="en-US" smtClean="0"/>
+              <a:rPr lang="en-US"/>
               <a:t>Edit Master text styles</a:t>
             </a:r>
           </a:p>
           <a:p>
             <a:pPr lvl="1"/>
             <a:r>
-              <a:rPr lang="en-US" smtClean="0"/>
+              <a:rPr lang="en-US"/>
               <a:t>Second level</a:t>
             </a:r>
           </a:p>
           <a:p>
             <a:pPr lvl="2"/>
             <a:r>
-              <a:rPr lang="en-US" smtClean="0"/>
+              <a:rPr lang="en-US"/>
               <a:t>Third level</a:t>
             </a:r>
           </a:p>
           <a:p>
             <a:pPr lvl="3"/>
             <a:r>
-              <a:rPr lang="en-US" smtClean="0"/>
+              <a:rPr lang="en-US"/>
               <a:t>Fourth level</a:t>
             </a:r>
           </a:p>
           <a:p>
             <a:pPr lvl="4"/>
             <a:r>
-              <a:rPr lang="en-US" smtClean="0"/>
+              <a:rPr lang="en-US"/>
               <a:t>Fifth level</a:t>
             </a:r>
             <a:endParaRPr lang="en-US" dirty="0"/>
@@ -2520,7 +2515,7 @@
           <a:p>
             <a:pPr lvl="0"/>
             <a:r>
-              <a:rPr lang="en-US" smtClean="0"/>
+              <a:rPr lang="en-US"/>
               <a:t>Edit Master text styles</a:t>
             </a:r>
           </a:p>
@@ -2548,35 +2543,35 @@
           <a:p>
             <a:pPr lvl="0"/>
             <a:r>
-              <a:rPr lang="en-US" smtClean="0"/>
+              <a:rPr lang="en-US"/>
               <a:t>Edit Master text styles</a:t>
             </a:r>
           </a:p>
           <a:p>
             <a:pPr lvl="1"/>
             <a:r>
-              <a:rPr lang="en-US" smtClean="0"/>
+              <a:rPr lang="en-US"/>
               <a:t>Second level</a:t>
             </a:r>
           </a:p>
           <a:p>
             <a:pPr lvl="2"/>
             <a:r>
-              <a:rPr lang="en-US" smtClean="0"/>
+              <a:rPr lang="en-US"/>
               <a:t>Third level</a:t>
             </a:r>
           </a:p>
           <a:p>
             <a:pPr lvl="3"/>
             <a:r>
-              <a:rPr lang="en-US" smtClean="0"/>
+              <a:rPr lang="en-US"/>
               <a:t>Fourth level</a:t>
             </a:r>
           </a:p>
           <a:p>
             <a:pPr lvl="4"/>
             <a:r>
-              <a:rPr lang="en-US" smtClean="0"/>
+              <a:rPr lang="en-US"/>
               <a:t>Fifth level</a:t>
             </a:r>
             <a:endParaRPr lang="en-US" dirty="0"/>
@@ -2622,7 +2617,7 @@
           <a:p>
             <a:fld id="{349BF3EA-1A78-4F07-BDC0-C8A1BD461199}" type="datetimeFigureOut">
               <a:rPr lang="en-US" smtClean="0"/>
-              <a:t>22-Apr-19</a:t>
+              <a:t>4/23/2019</a:t>
             </a:fld>
             <a:endParaRPr lang="en-US"/>
           </a:p>
@@ -2720,7 +2715,7 @@
           </a:lstStyle>
           <a:p>
             <a:r>
-              <a:rPr lang="en-US" smtClean="0"/>
+              <a:rPr lang="en-US"/>
               <a:t>Click to edit Master title style</a:t>
             </a:r>
             <a:endParaRPr lang="en-US" dirty="0"/>
@@ -2766,7 +2761,7 @@
           <a:p>
             <a:fld id="{349BF3EA-1A78-4F07-BDC0-C8A1BD461199}" type="datetimeFigureOut">
               <a:rPr lang="en-US" smtClean="0"/>
-              <a:t>22-Apr-19</a:t>
+              <a:t>4/23/2019</a:t>
             </a:fld>
             <a:endParaRPr lang="en-US"/>
           </a:p>
@@ -2876,7 +2871,7 @@
           <a:p>
             <a:fld id="{349BF3EA-1A78-4F07-BDC0-C8A1BD461199}" type="datetimeFigureOut">
               <a:rPr lang="en-US" smtClean="0"/>
-              <a:t>22-Apr-19</a:t>
+              <a:t>4/23/2019</a:t>
             </a:fld>
             <a:endParaRPr lang="en-US"/>
           </a:p>
@@ -2977,7 +2972,7 @@
           </a:lstStyle>
           <a:p>
             <a:r>
-              <a:rPr lang="en-US" smtClean="0"/>
+              <a:rPr lang="en-US"/>
               <a:t>Click to edit Master title style</a:t>
             </a:r>
             <a:endParaRPr lang="en-US" dirty="0"/>
@@ -3034,35 +3029,35 @@
           <a:p>
             <a:pPr lvl="0"/>
             <a:r>
-              <a:rPr lang="en-US" smtClean="0"/>
+              <a:rPr lang="en-US"/>
               <a:t>Edit Master text styles</a:t>
             </a:r>
           </a:p>
           <a:p>
             <a:pPr lvl="1"/>
             <a:r>
-              <a:rPr lang="en-US" smtClean="0"/>
+              <a:rPr lang="en-US"/>
               <a:t>Second level</a:t>
             </a:r>
           </a:p>
           <a:p>
             <a:pPr lvl="2"/>
             <a:r>
-              <a:rPr lang="en-US" smtClean="0"/>
+              <a:rPr lang="en-US"/>
               <a:t>Third level</a:t>
             </a:r>
           </a:p>
           <a:p>
             <a:pPr lvl="3"/>
             <a:r>
-              <a:rPr lang="en-US" smtClean="0"/>
+              <a:rPr lang="en-US"/>
               <a:t>Fourth level</a:t>
             </a:r>
           </a:p>
           <a:p>
             <a:pPr lvl="4"/>
             <a:r>
-              <a:rPr lang="en-US" smtClean="0"/>
+              <a:rPr lang="en-US"/>
               <a:t>Fifth level</a:t>
             </a:r>
             <a:endParaRPr lang="en-US" dirty="0"/>
@@ -3133,7 +3128,7 @@
           <a:p>
             <a:pPr lvl="0"/>
             <a:r>
-              <a:rPr lang="en-US" smtClean="0"/>
+              <a:rPr lang="en-US"/>
               <a:t>Edit Master text styles</a:t>
             </a:r>
           </a:p>
@@ -3178,7 +3173,7 @@
           <a:p>
             <a:fld id="{349BF3EA-1A78-4F07-BDC0-C8A1BD461199}" type="datetimeFigureOut">
               <a:rPr lang="en-US" smtClean="0"/>
-              <a:t>22-Apr-19</a:t>
+              <a:t>4/23/2019</a:t>
             </a:fld>
             <a:endParaRPr lang="en-US"/>
           </a:p>
@@ -3279,7 +3274,7 @@
           </a:lstStyle>
           <a:p>
             <a:r>
-              <a:rPr lang="en-US" smtClean="0"/>
+              <a:rPr lang="en-US"/>
               <a:t>Click to edit Master title style</a:t>
             </a:r>
             <a:endParaRPr lang="en-US" dirty="0"/>
@@ -3356,7 +3351,7 @@
           </a:lstStyle>
           <a:p>
             <a:r>
-              <a:rPr lang="en-US" smtClean="0"/>
+              <a:rPr lang="en-US"/>
               <a:t>Click icon to add picture</a:t>
             </a:r>
             <a:endParaRPr lang="en-US" dirty="0"/>
@@ -3424,7 +3419,7 @@
           <a:p>
             <a:pPr lvl="0"/>
             <a:r>
-              <a:rPr lang="en-US" smtClean="0"/>
+              <a:rPr lang="en-US"/>
               <a:t>Edit Master text styles</a:t>
             </a:r>
           </a:p>
@@ -3469,7 +3464,7 @@
           <a:p>
             <a:fld id="{349BF3EA-1A78-4F07-BDC0-C8A1BD461199}" type="datetimeFigureOut">
               <a:rPr lang="en-US" smtClean="0"/>
-              <a:t>22-Apr-19</a:t>
+              <a:t>4/23/2019</a:t>
             </a:fld>
             <a:endParaRPr lang="en-US"/>
           </a:p>
@@ -3688,7 +3683,7 @@
           <a:lstStyle/>
           <a:p>
             <a:r>
-              <a:rPr lang="en-US" smtClean="0"/>
+              <a:rPr lang="en-US"/>
               <a:t>Click to edit Master title style</a:t>
             </a:r>
             <a:endParaRPr lang="en-US" dirty="0"/>
@@ -3722,35 +3717,35 @@
           <a:p>
             <a:pPr lvl="0"/>
             <a:r>
-              <a:rPr lang="en-US" smtClean="0"/>
+              <a:rPr lang="en-US"/>
               <a:t>Edit Master text styles</a:t>
             </a:r>
           </a:p>
           <a:p>
             <a:pPr lvl="1"/>
             <a:r>
-              <a:rPr lang="en-US" smtClean="0"/>
+              <a:rPr lang="en-US"/>
               <a:t>Second level</a:t>
             </a:r>
           </a:p>
           <a:p>
             <a:pPr lvl="2"/>
             <a:r>
-              <a:rPr lang="en-US" smtClean="0"/>
+              <a:rPr lang="en-US"/>
               <a:t>Third level</a:t>
             </a:r>
           </a:p>
           <a:p>
             <a:pPr lvl="3"/>
             <a:r>
-              <a:rPr lang="en-US" smtClean="0"/>
+              <a:rPr lang="en-US"/>
               <a:t>Fourth level</a:t>
             </a:r>
           </a:p>
           <a:p>
             <a:pPr lvl="4"/>
             <a:r>
-              <a:rPr lang="en-US" smtClean="0"/>
+              <a:rPr lang="en-US"/>
               <a:t>Fifth level</a:t>
             </a:r>
             <a:endParaRPr lang="en-US" dirty="0"/>
@@ -3831,7 +3826,7 @@
             <a:fld id="{349BF3EA-1A78-4F07-BDC0-C8A1BD461199}" type="datetimeFigureOut">
               <a:rPr lang="en-US" smtClean="0"/>
               <a:pPr/>
-              <a:t>22-Apr-19</a:t>
+              <a:t>4/23/2019</a:t>
             </a:fld>
             <a:endParaRPr lang="en-US" dirty="0"/>
           </a:p>
@@ -4201,11 +4196,11 @@
           <a:lstStyle/>
           <a:p>
             <a:r>
-              <a:rPr lang="en-US" dirty="0" smtClean="0"/>
+              <a:rPr lang="en-US" dirty="0"/>
               <a:t>TDD on </a:t>
             </a:r>
             <a:r>
-              <a:rPr lang="en-US" dirty="0" err="1" smtClean="0"/>
+              <a:rPr lang="en-US" dirty="0" err="1"/>
               <a:t>TypeScript</a:t>
             </a:r>
             <a:endParaRPr lang="en-US" dirty="0"/>
@@ -4228,10 +4223,9 @@
           <a:lstStyle/>
           <a:p>
             <a:r>
-              <a:rPr lang="en-US" dirty="0" smtClean="0"/>
+              <a:rPr lang="en-US" dirty="0"/>
               <a:t>Showing off</a:t>
             </a:r>
-            <a:endParaRPr lang="en-US" dirty="0"/>
           </a:p>
         </p:txBody>
       </p:sp>
@@ -4293,10 +4287,9 @@
           <a:lstStyle/>
           <a:p>
             <a:r>
-              <a:rPr lang="en-US" dirty="0" smtClean="0"/>
-              <a:t>Crash course</a:t>
-            </a:r>
-            <a:endParaRPr lang="en-US" dirty="0"/>
+              <a:rPr lang="en-US" dirty="0"/>
+              <a:t>TDD crash course</a:t>
+            </a:r>
           </a:p>
         </p:txBody>
       </p:sp>
@@ -4321,29 +4314,27 @@
           <a:lstStyle/>
           <a:p>
             <a:r>
-              <a:rPr lang="en-US" dirty="0" smtClean="0"/>
+              <a:rPr lang="en-US" dirty="0"/>
               <a:t>What is it?</a:t>
             </a:r>
           </a:p>
           <a:p>
             <a:r>
-              <a:rPr lang="en-US" dirty="0" smtClean="0"/>
+              <a:rPr lang="en-US" dirty="0"/>
               <a:t>How do we do it?</a:t>
             </a:r>
-            <a:endParaRPr lang="en-US" dirty="0"/>
-          </a:p>
-          <a:p>
-            <a:r>
-              <a:rPr lang="en-US" dirty="0" smtClean="0"/>
+          </a:p>
+          <a:p>
+            <a:r>
+              <a:rPr lang="en-US" dirty="0"/>
               <a:t>Types</a:t>
             </a:r>
           </a:p>
           <a:p>
             <a:r>
-              <a:rPr lang="en-US" dirty="0" smtClean="0"/>
+              <a:rPr lang="en-US" dirty="0"/>
               <a:t>Live coding session</a:t>
             </a:r>
-            <a:endParaRPr lang="en-US" dirty="0"/>
           </a:p>
         </p:txBody>
       </p:sp>
@@ -4393,13 +4384,6 @@
       </p:transition>
     </mc:Fallback>
   </mc:AlternateContent>
-  <p:timing>
-    <p:tnLst>
-      <p:par>
-        <p:cTn id="1" dur="indefinite" restart="never" nodeType="tmRoot"/>
-      </p:par>
-    </p:tnLst>
-  </p:timing>
 </p:sld>
 </file>
 
@@ -4436,10 +4420,9 @@
           <a:lstStyle/>
           <a:p>
             <a:r>
-              <a:rPr lang="en-US" dirty="0" smtClean="0"/>
+              <a:rPr lang="en-US" dirty="0"/>
               <a:t>What is it?</a:t>
             </a:r>
-            <a:endParaRPr lang="en-US" dirty="0"/>
           </a:p>
         </p:txBody>
       </p:sp>
@@ -4494,13 +4477,6 @@
       </p:transition>
     </mc:Fallback>
   </mc:AlternateContent>
-  <p:timing>
-    <p:tnLst>
-      <p:par>
-        <p:cTn id="1" dur="indefinite" restart="never" nodeType="tmRoot"/>
-      </p:par>
-    </p:tnLst>
-  </p:timing>
 </p:sld>
 </file>
 
@@ -4537,10 +4513,9 @@
           <a:lstStyle/>
           <a:p>
             <a:r>
-              <a:rPr lang="en-US" dirty="0" smtClean="0"/>
+              <a:rPr lang="en-US" dirty="0"/>
               <a:t>How do we do it?</a:t>
             </a:r>
-            <a:endParaRPr lang="en-US" dirty="0"/>
           </a:p>
         </p:txBody>
       </p:sp>
@@ -4600,12 +4575,12 @@
               <a:buChar char="•"/>
             </a:pPr>
             <a:r>
-              <a:rPr lang="en-US" dirty="0" smtClean="0"/>
+              <a:rPr lang="en-US" dirty="0"/>
               <a:t>Short cycles</a:t>
             </a:r>
           </a:p>
           <a:p>
-            <a:endParaRPr lang="en-US" dirty="0" smtClean="0"/>
+            <a:endParaRPr lang="en-US" dirty="0"/>
           </a:p>
           <a:p>
             <a:pPr marL="285750" indent="-285750">
@@ -4613,12 +4588,12 @@
               <a:buChar char="•"/>
             </a:pPr>
             <a:r>
-              <a:rPr lang="en-US" dirty="0" smtClean="0"/>
+              <a:rPr lang="en-US" dirty="0"/>
               <a:t>Write what you want your code to do (failing test)</a:t>
             </a:r>
           </a:p>
           <a:p>
-            <a:endParaRPr lang="en-US" dirty="0" smtClean="0"/>
+            <a:endParaRPr lang="en-US" dirty="0"/>
           </a:p>
           <a:p>
             <a:pPr marL="285750" indent="-285750">
@@ -4626,7 +4601,7 @@
               <a:buChar char="•"/>
             </a:pPr>
             <a:r>
-              <a:rPr lang="en-US" dirty="0" smtClean="0"/>
+              <a:rPr lang="en-US" dirty="0"/>
               <a:t>Make your code do that in the simplest way possible (make test pass)</a:t>
             </a:r>
           </a:p>
@@ -4635,7 +4610,7 @@
               <a:buFont typeface="Arial" panose="020B0604020202020204" pitchFamily="34" charset="0"/>
               <a:buChar char="•"/>
             </a:pPr>
-            <a:endParaRPr lang="en-US" dirty="0" smtClean="0"/>
+            <a:endParaRPr lang="en-US" dirty="0"/>
           </a:p>
           <a:p>
             <a:pPr marL="285750" indent="-285750">
@@ -4643,7 +4618,7 @@
               <a:buChar char="•"/>
             </a:pPr>
             <a:r>
-              <a:rPr lang="en-US" dirty="0" smtClean="0"/>
+              <a:rPr lang="en-US" dirty="0"/>
               <a:t>Look for patterns and clean up behind (refactor)</a:t>
             </a:r>
           </a:p>
@@ -4671,13 +4646,6 @@
       </p:transition>
     </mc:Fallback>
   </mc:AlternateContent>
-  <p:timing>
-    <p:tnLst>
-      <p:par>
-        <p:cTn id="1" dur="indefinite" restart="never" nodeType="tmRoot"/>
-      </p:par>
-    </p:tnLst>
-  </p:timing>
 </p:sld>
 </file>
 
@@ -4714,10 +4682,9 @@
           <a:lstStyle/>
           <a:p>
             <a:r>
-              <a:rPr lang="en-US" dirty="0" smtClean="0"/>
+              <a:rPr lang="en-US" dirty="0"/>
               <a:t>Types</a:t>
             </a:r>
-            <a:endParaRPr lang="en-US" dirty="0"/>
           </a:p>
         </p:txBody>
       </p:sp>
@@ -4737,28 +4704,28 @@
           <a:lstStyle/>
           <a:p>
             <a:r>
-              <a:rPr lang="en-US" dirty="0" smtClean="0"/>
+              <a:rPr lang="en-US" dirty="0"/>
               <a:t>Classicist</a:t>
             </a:r>
           </a:p>
           <a:p>
             <a:pPr lvl="1"/>
             <a:r>
-              <a:rPr lang="en-US" dirty="0" smtClean="0"/>
+              <a:rPr lang="en-US" dirty="0"/>
               <a:t>Explore the problem through tests</a:t>
             </a:r>
           </a:p>
           <a:p>
             <a:pPr lvl="1"/>
             <a:r>
-              <a:rPr lang="en-US" dirty="0" smtClean="0"/>
+              <a:rPr lang="en-US" dirty="0"/>
               <a:t>Design grows from patterns</a:t>
             </a:r>
           </a:p>
           <a:p>
             <a:pPr lvl="1"/>
             <a:r>
-              <a:rPr lang="en-US" dirty="0" smtClean="0"/>
+              <a:rPr lang="en-US" dirty="0"/>
               <a:t>Tests are acceptance criteria</a:t>
             </a:r>
           </a:p>
@@ -4768,26 +4735,26 @@
           </a:p>
           <a:p>
             <a:pPr lvl="1"/>
-            <a:endParaRPr lang="en-US" dirty="0" smtClean="0"/>
-          </a:p>
-          <a:p>
-            <a:r>
-              <a:rPr lang="en-US" dirty="0" err="1" smtClean="0"/>
+            <a:endParaRPr lang="en-US" dirty="0"/>
+          </a:p>
+          <a:p>
+            <a:r>
+              <a:rPr lang="en-US" dirty="0" err="1"/>
               <a:t>Mockist</a:t>
             </a:r>
-            <a:endParaRPr lang="en-US" dirty="0" smtClean="0"/>
+            <a:endParaRPr lang="en-US" dirty="0"/>
           </a:p>
           <a:p>
             <a:pPr lvl="1"/>
             <a:r>
-              <a:rPr lang="en-US" dirty="0" smtClean="0"/>
+              <a:rPr lang="en-US" dirty="0"/>
               <a:t>Define dependencies and responsibilities when writing the tests</a:t>
             </a:r>
           </a:p>
           <a:p>
             <a:pPr lvl="1"/>
             <a:r>
-              <a:rPr lang="en-US" dirty="0" smtClean="0"/>
+              <a:rPr lang="en-US" dirty="0"/>
               <a:t>Use mocks to keep tests focused on current unit under test</a:t>
             </a:r>
           </a:p>
@@ -4815,13 +4782,6 @@
       </p:transition>
     </mc:Fallback>
   </mc:AlternateContent>
-  <p:timing>
-    <p:tnLst>
-      <p:par>
-        <p:cTn id="1" dur="indefinite" restart="never" nodeType="tmRoot"/>
-      </p:par>
-    </p:tnLst>
-  </p:timing>
 </p:sld>
 </file>
 
@@ -4863,10 +4823,9 @@
           <a:lstStyle/>
           <a:p>
             <a:r>
-              <a:rPr lang="en-US" dirty="0" smtClean="0"/>
+              <a:rPr lang="en-US" dirty="0"/>
               <a:t>LIVE EXERCISE</a:t>
             </a:r>
-            <a:endParaRPr lang="en-US" dirty="0"/>
           </a:p>
         </p:txBody>
       </p:sp>
@@ -4933,10 +4892,9 @@
           <a:lstStyle/>
           <a:p>
             <a:r>
-              <a:rPr lang="en-US" dirty="0" smtClean="0"/>
+              <a:rPr lang="en-US" dirty="0"/>
               <a:t>THE END</a:t>
             </a:r>
-            <a:endParaRPr lang="en-US" dirty="0"/>
           </a:p>
         </p:txBody>
       </p:sp>

--- a/TDD on TypeScript.pptx
+++ b/TDD on TypeScript.pptx
@@ -5,19 +5,21 @@
     <p:sldMasterId id="2147483672" r:id="rId1"/>
   </p:sldMasterIdLst>
   <p:notesMasterIdLst>
-    <p:notesMasterId r:id="rId9"/>
+    <p:notesMasterId r:id="rId11"/>
   </p:notesMasterIdLst>
   <p:handoutMasterIdLst>
-    <p:handoutMasterId r:id="rId10"/>
+    <p:handoutMasterId r:id="rId12"/>
   </p:handoutMasterIdLst>
   <p:sldIdLst>
     <p:sldId id="270" r:id="rId2"/>
     <p:sldId id="271" r:id="rId3"/>
-    <p:sldId id="272" r:id="rId4"/>
-    <p:sldId id="273" r:id="rId5"/>
-    <p:sldId id="274" r:id="rId6"/>
-    <p:sldId id="275" r:id="rId7"/>
-    <p:sldId id="276" r:id="rId8"/>
+    <p:sldId id="273" r:id="rId4"/>
+    <p:sldId id="272" r:id="rId5"/>
+    <p:sldId id="278" r:id="rId6"/>
+    <p:sldId id="277" r:id="rId7"/>
+    <p:sldId id="274" r:id="rId8"/>
+    <p:sldId id="275" r:id="rId9"/>
+    <p:sldId id="276" r:id="rId10"/>
   </p:sldIdLst>
   <p:sldSz cx="12192000" cy="6858000"/>
   <p:notesSz cx="6858000" cy="9144000"/>
@@ -209,7 +211,7 @@
           <a:p>
             <a:fld id="{65700FC0-9E7A-4C53-8A3B-3C3C9A736C42}" type="datetimeFigureOut">
               <a:rPr lang="en-US" smtClean="0"/>
-              <a:t>4/23/2019</a:t>
+              <a:t>24-Apr-19</a:t>
             </a:fld>
             <a:endParaRPr lang="en-US"/>
           </a:p>
@@ -374,7 +376,7 @@
           <a:p>
             <a:fld id="{8AF122B6-E47E-4A80-A9F3-23FD10D674FE}" type="datetimeFigureOut">
               <a:rPr lang="en-US" smtClean="0"/>
-              <a:t>4/23/2019</a:t>
+              <a:t>24-Apr-19</a:t>
             </a:fld>
             <a:endParaRPr lang="en-US"/>
           </a:p>
@@ -870,7 +872,7 @@
             <a:fld id="{349BF3EA-1A78-4F07-BDC0-C8A1BD461199}" type="datetimeFigureOut">
               <a:rPr lang="en-US" smtClean="0"/>
               <a:pPr/>
-              <a:t>4/23/2019</a:t>
+              <a:t>24-Apr-19</a:t>
             </a:fld>
             <a:endParaRPr lang="en-US"/>
           </a:p>
@@ -1070,7 +1072,7 @@
           <a:p>
             <a:fld id="{349BF3EA-1A78-4F07-BDC0-C8A1BD461199}" type="datetimeFigureOut">
               <a:rPr lang="en-US" smtClean="0"/>
-              <a:t>4/23/2019</a:t>
+              <a:t>24-Apr-19</a:t>
             </a:fld>
             <a:endParaRPr lang="en-US"/>
           </a:p>
@@ -1271,7 +1273,7 @@
           <a:p>
             <a:fld id="{349BF3EA-1A78-4F07-BDC0-C8A1BD461199}" type="datetimeFigureOut">
               <a:rPr lang="en-US" smtClean="0"/>
-              <a:t>4/23/2019</a:t>
+              <a:t>24-Apr-19</a:t>
             </a:fld>
             <a:endParaRPr lang="en-US"/>
           </a:p>
@@ -1522,7 +1524,7 @@
           <a:p>
             <a:fld id="{349BF3EA-1A78-4F07-BDC0-C8A1BD461199}" type="datetimeFigureOut">
               <a:rPr lang="en-US" smtClean="0"/>
-              <a:t>4/23/2019</a:t>
+              <a:t>24-Apr-19</a:t>
             </a:fld>
             <a:endParaRPr lang="en-US" dirty="0"/>
           </a:p>
@@ -1946,7 +1948,7 @@
           <a:p>
             <a:fld id="{349BF3EA-1A78-4F07-BDC0-C8A1BD461199}" type="datetimeFigureOut">
               <a:rPr lang="en-US" smtClean="0"/>
-              <a:t>4/23/2019</a:t>
+              <a:t>24-Apr-19</a:t>
             </a:fld>
             <a:endParaRPr lang="en-US"/>
           </a:p>
@@ -2226,7 +2228,7 @@
           <a:p>
             <a:fld id="{349BF3EA-1A78-4F07-BDC0-C8A1BD461199}" type="datetimeFigureOut">
               <a:rPr lang="en-US" smtClean="0"/>
-              <a:t>4/23/2019</a:t>
+              <a:t>24-Apr-19</a:t>
             </a:fld>
             <a:endParaRPr lang="en-US"/>
           </a:p>
@@ -2617,7 +2619,7 @@
           <a:p>
             <a:fld id="{349BF3EA-1A78-4F07-BDC0-C8A1BD461199}" type="datetimeFigureOut">
               <a:rPr lang="en-US" smtClean="0"/>
-              <a:t>4/23/2019</a:t>
+              <a:t>24-Apr-19</a:t>
             </a:fld>
             <a:endParaRPr lang="en-US"/>
           </a:p>
@@ -2761,7 +2763,7 @@
           <a:p>
             <a:fld id="{349BF3EA-1A78-4F07-BDC0-C8A1BD461199}" type="datetimeFigureOut">
               <a:rPr lang="en-US" smtClean="0"/>
-              <a:t>4/23/2019</a:t>
+              <a:t>24-Apr-19</a:t>
             </a:fld>
             <a:endParaRPr lang="en-US"/>
           </a:p>
@@ -2871,7 +2873,7 @@
           <a:p>
             <a:fld id="{349BF3EA-1A78-4F07-BDC0-C8A1BD461199}" type="datetimeFigureOut">
               <a:rPr lang="en-US" smtClean="0"/>
-              <a:t>4/23/2019</a:t>
+              <a:t>24-Apr-19</a:t>
             </a:fld>
             <a:endParaRPr lang="en-US"/>
           </a:p>
@@ -3173,7 +3175,7 @@
           <a:p>
             <a:fld id="{349BF3EA-1A78-4F07-BDC0-C8A1BD461199}" type="datetimeFigureOut">
               <a:rPr lang="en-US" smtClean="0"/>
-              <a:t>4/23/2019</a:t>
+              <a:t>24-Apr-19</a:t>
             </a:fld>
             <a:endParaRPr lang="en-US"/>
           </a:p>
@@ -3464,7 +3466,7 @@
           <a:p>
             <a:fld id="{349BF3EA-1A78-4F07-BDC0-C8A1BD461199}" type="datetimeFigureOut">
               <a:rPr lang="en-US" smtClean="0"/>
-              <a:t>4/23/2019</a:t>
+              <a:t>24-Apr-19</a:t>
             </a:fld>
             <a:endParaRPr lang="en-US"/>
           </a:p>
@@ -3826,7 +3828,7 @@
             <a:fld id="{349BF3EA-1A78-4F07-BDC0-C8A1BD461199}" type="datetimeFigureOut">
               <a:rPr lang="en-US" smtClean="0"/>
               <a:pPr/>
-              <a:t>4/23/2019</a:t>
+              <a:t>24-Apr-19</a:t>
             </a:fld>
             <a:endParaRPr lang="en-US" dirty="0"/>
           </a:p>
@@ -4251,6 +4253,13 @@
       </p:transition>
     </mc:Fallback>
   </mc:AlternateContent>
+  <p:timing>
+    <p:tnLst>
+      <p:par>
+        <p:cTn id="1" dur="indefinite" restart="never" nodeType="tmRoot"/>
+      </p:par>
+    </p:tnLst>
+  </p:timing>
 </p:sld>
 </file>
 
@@ -4315,20 +4324,26 @@
           <a:p>
             <a:r>
               <a:rPr lang="en-US" dirty="0"/>
-              <a:t>What is it?</a:t>
-            </a:r>
-          </a:p>
-          <a:p>
-            <a:r>
-              <a:rPr lang="en-US" dirty="0"/>
-              <a:t>How do we do it?</a:t>
-            </a:r>
-          </a:p>
-          <a:p>
-            <a:r>
-              <a:rPr lang="en-US" dirty="0"/>
+              <a:t>What is it</a:t>
+            </a:r>
+            <a:r>
+              <a:rPr lang="en-US" dirty="0" smtClean="0"/>
+              <a:t>?</a:t>
+            </a:r>
+          </a:p>
+          <a:p>
+            <a:r>
+              <a:rPr lang="en-US" dirty="0" smtClean="0"/>
+              <a:t>Why do it?</a:t>
+            </a:r>
+            <a:endParaRPr lang="en-US" dirty="0" smtClean="0"/>
+          </a:p>
+          <a:p>
+            <a:r>
+              <a:rPr lang="en-US" dirty="0" smtClean="0"/>
               <a:t>Types</a:t>
             </a:r>
+            <a:endParaRPr lang="en-US" dirty="0"/>
           </a:p>
           <a:p>
             <a:r>
@@ -4384,6 +4399,13 @@
       </p:transition>
     </mc:Fallback>
   </mc:AlternateContent>
+  <p:timing>
+    <p:tnLst>
+      <p:par>
+        <p:cTn id="1" dur="indefinite" restart="never" nodeType="tmRoot"/>
+      </p:par>
+    </p:tnLst>
+  </p:timing>
 </p:sld>
 </file>
 
@@ -4420,9 +4442,208 @@
           <a:lstStyle/>
           <a:p>
             <a:r>
+              <a:rPr lang="en-US" dirty="0" smtClean="0"/>
+              <a:t>What is it?</a:t>
+            </a:r>
+            <a:endParaRPr lang="en-US" dirty="0"/>
+          </a:p>
+        </p:txBody>
+      </p:sp>
+      <p:pic>
+        <p:nvPicPr>
+          <p:cNvPr id="4" name="Content Placeholder 3"/>
+          <p:cNvPicPr>
+            <a:picLocks noGrp="1" noChangeAspect="1"/>
+          </p:cNvPicPr>
+          <p:nvPr>
+            <p:ph idx="1"/>
+          </p:nvPr>
+        </p:nvPicPr>
+        <p:blipFill>
+          <a:blip r:embed="rId2">
+            <a:extLst>
+              <a:ext uri="{28A0092B-C50C-407E-A947-70E740481C1C}">
+                <a14:useLocalDpi xmlns:a14="http://schemas.microsoft.com/office/drawing/2010/main" val="0"/>
+              </a:ext>
+            </a:extLst>
+          </a:blip>
+          <a:stretch>
+            <a:fillRect/>
+          </a:stretch>
+        </p:blipFill>
+        <p:spPr>
+          <a:xfrm>
+            <a:off x="5301524" y="1712496"/>
+            <a:ext cx="6052065" cy="4022558"/>
+          </a:xfrm>
+        </p:spPr>
+      </p:pic>
+      <p:sp>
+        <p:nvSpPr>
+          <p:cNvPr id="5" name="TextBox 4"/>
+          <p:cNvSpPr txBox="1"/>
+          <p:nvPr/>
+        </p:nvSpPr>
+        <p:spPr>
+          <a:xfrm>
+            <a:off x="609600" y="2292614"/>
+            <a:ext cx="4395537" cy="3416320"/>
+          </a:xfrm>
+          <a:prstGeom prst="rect">
+            <a:avLst/>
+          </a:prstGeom>
+          <a:noFill/>
+        </p:spPr>
+        <p:txBody>
+          <a:bodyPr wrap="square" rtlCol="0">
+            <a:spAutoFit/>
+          </a:bodyPr>
+          <a:lstStyle/>
+          <a:p>
+            <a:pPr marL="285750" indent="-285750">
+              <a:buFont typeface="Arial" panose="020B0604020202020204" pitchFamily="34" charset="0"/>
+              <a:buChar char="•"/>
+            </a:pPr>
+            <a:r>
+              <a:rPr lang="en-US" dirty="0" smtClean="0"/>
+              <a:t>Development methodology</a:t>
+            </a:r>
+          </a:p>
+          <a:p>
+            <a:pPr marL="285750" indent="-285750">
+              <a:buFont typeface="Arial" panose="020B0604020202020204" pitchFamily="34" charset="0"/>
+              <a:buChar char="•"/>
+            </a:pPr>
+            <a:endParaRPr lang="en-US" dirty="0"/>
+          </a:p>
+          <a:p>
+            <a:pPr marL="285750" indent="-285750">
+              <a:buFont typeface="Arial" panose="020B0604020202020204" pitchFamily="34" charset="0"/>
+              <a:buChar char="•"/>
+            </a:pPr>
+            <a:r>
+              <a:rPr lang="en-US" dirty="0" smtClean="0"/>
+              <a:t>Short </a:t>
+            </a:r>
+            <a:r>
               <a:rPr lang="en-US" dirty="0"/>
-              <a:t>What is it?</a:t>
-            </a:r>
+              <a:t>cycles</a:t>
+            </a:r>
+          </a:p>
+          <a:p>
+            <a:endParaRPr lang="en-US" dirty="0"/>
+          </a:p>
+          <a:p>
+            <a:pPr marL="285750" indent="-285750">
+              <a:buFont typeface="Arial" panose="020B0604020202020204" pitchFamily="34" charset="0"/>
+              <a:buChar char="•"/>
+            </a:pPr>
+            <a:r>
+              <a:rPr lang="en-US" dirty="0"/>
+              <a:t>Write what you want your code to do (failing test)</a:t>
+            </a:r>
+          </a:p>
+          <a:p>
+            <a:endParaRPr lang="en-US" dirty="0"/>
+          </a:p>
+          <a:p>
+            <a:pPr marL="285750" indent="-285750">
+              <a:buFont typeface="Arial" panose="020B0604020202020204" pitchFamily="34" charset="0"/>
+              <a:buChar char="•"/>
+            </a:pPr>
+            <a:r>
+              <a:rPr lang="en-US" dirty="0"/>
+              <a:t>Make your code do that in the simplest way possible (make test pass)</a:t>
+            </a:r>
+          </a:p>
+          <a:p>
+            <a:pPr marL="285750" indent="-285750">
+              <a:buFont typeface="Arial" panose="020B0604020202020204" pitchFamily="34" charset="0"/>
+              <a:buChar char="•"/>
+            </a:pPr>
+            <a:endParaRPr lang="en-US" dirty="0"/>
+          </a:p>
+          <a:p>
+            <a:pPr marL="285750" indent="-285750">
+              <a:buFont typeface="Arial" panose="020B0604020202020204" pitchFamily="34" charset="0"/>
+              <a:buChar char="•"/>
+            </a:pPr>
+            <a:r>
+              <a:rPr lang="en-US" dirty="0"/>
+              <a:t>Look for patterns and clean up behind (refactor)</a:t>
+            </a:r>
+          </a:p>
+        </p:txBody>
+      </p:sp>
+    </p:spTree>
+    <p:extLst>
+      <p:ext uri="{BB962C8B-B14F-4D97-AF65-F5344CB8AC3E}">
+        <p14:creationId xmlns:p14="http://schemas.microsoft.com/office/powerpoint/2010/main" val="1794587301"/>
+      </p:ext>
+    </p:extLst>
+  </p:cSld>
+  <p:clrMapOvr>
+    <a:masterClrMapping/>
+  </p:clrMapOvr>
+  <mc:AlternateContent xmlns:mc="http://schemas.openxmlformats.org/markup-compatibility/2006" xmlns:p14="http://schemas.microsoft.com/office/powerpoint/2010/main">
+    <mc:Choice Requires="p14">
+      <p:transition spd="med" p14:dur="700">
+        <p:fade/>
+      </p:transition>
+    </mc:Choice>
+    <mc:Fallback xmlns="">
+      <p:transition spd="med">
+        <p:fade/>
+      </p:transition>
+    </mc:Fallback>
+  </mc:AlternateContent>
+  <p:timing>
+    <p:tnLst>
+      <p:par>
+        <p:cTn id="1" dur="indefinite" restart="never" nodeType="tmRoot"/>
+      </p:par>
+    </p:tnLst>
+  </p:timing>
+</p:sld>
+</file>
+
+<file path=ppt/slides/slide4.xml><?xml version="1.0" encoding="utf-8"?>
+<p:sld xmlns:a="http://schemas.openxmlformats.org/drawingml/2006/main" xmlns:r="http://schemas.openxmlformats.org/officeDocument/2006/relationships" xmlns:p="http://schemas.openxmlformats.org/presentationml/2006/main">
+  <p:cSld>
+    <p:spTree>
+      <p:nvGrpSpPr>
+        <p:cNvPr id="1" name=""/>
+        <p:cNvGrpSpPr/>
+        <p:nvPr/>
+      </p:nvGrpSpPr>
+      <p:grpSpPr>
+        <a:xfrm>
+          <a:off x="0" y="0"/>
+          <a:ext cx="0" cy="0"/>
+          <a:chOff x="0" y="0"/>
+          <a:chExt cx="0" cy="0"/>
+        </a:xfrm>
+      </p:grpSpPr>
+      <p:sp>
+        <p:nvSpPr>
+          <p:cNvPr id="2" name="Title 1"/>
+          <p:cNvSpPr>
+            <a:spLocks noGrp="1"/>
+          </p:cNvSpPr>
+          <p:nvPr>
+            <p:ph type="title"/>
+          </p:nvPr>
+        </p:nvSpPr>
+        <p:spPr/>
+        <p:txBody>
+          <a:bodyPr/>
+          <a:lstStyle/>
+          <a:p>
+            <a:r>
+              <a:rPr lang="en-US" dirty="0" smtClean="0"/>
+              <a:t>At first it’s like this</a:t>
+            </a:r>
+            <a:endParaRPr lang="en-US" dirty="0"/>
           </a:p>
         </p:txBody>
       </p:sp>
@@ -4477,10 +4698,17 @@
       </p:transition>
     </mc:Fallback>
   </mc:AlternateContent>
+  <p:timing>
+    <p:tnLst>
+      <p:par>
+        <p:cTn id="1" dur="indefinite" restart="never" nodeType="tmRoot"/>
+      </p:par>
+    </p:tnLst>
+  </p:timing>
 </p:sld>
 </file>
 
-<file path=ppt/slides/slide4.xml><?xml version="1.0" encoding="utf-8"?>
+<file path=ppt/slides/slide5.xml><?xml version="1.0" encoding="utf-8"?>
 <p:sld xmlns:a="http://schemas.openxmlformats.org/drawingml/2006/main" xmlns:r="http://schemas.openxmlformats.org/officeDocument/2006/relationships" xmlns:p="http://schemas.openxmlformats.org/presentationml/2006/main">
   <p:cSld>
     <p:spTree>
@@ -4513,15 +4741,16 @@
           <a:lstStyle/>
           <a:p>
             <a:r>
-              <a:rPr lang="en-US" dirty="0"/>
-              <a:t>How do we do it?</a:t>
-            </a:r>
+              <a:rPr lang="en-US" dirty="0" smtClean="0"/>
+              <a:t>After a while though…</a:t>
+            </a:r>
+            <a:endParaRPr lang="en-US" dirty="0"/>
           </a:p>
         </p:txBody>
       </p:sp>
       <p:pic>
         <p:nvPicPr>
-          <p:cNvPr id="4" name="Content Placeholder 3"/>
+          <p:cNvPr id="5" name="Content Placeholder 4"/>
           <p:cNvPicPr>
             <a:picLocks noGrp="1" noChangeAspect="1"/>
           </p:cNvPicPr>
@@ -4543,91 +4772,15 @@
         </p:blipFill>
         <p:spPr>
           <a:xfrm>
-            <a:off x="5301524" y="1712496"/>
-            <a:ext cx="6052065" cy="4022558"/>
+            <a:off x="3810000" y="2577306"/>
+            <a:ext cx="4572000" cy="2571750"/>
           </a:xfrm>
         </p:spPr>
       </p:pic>
-      <p:sp>
-        <p:nvSpPr>
-          <p:cNvPr id="5" name="TextBox 4"/>
-          <p:cNvSpPr txBox="1"/>
-          <p:nvPr/>
-        </p:nvSpPr>
-        <p:spPr>
-          <a:xfrm>
-            <a:off x="609600" y="2292614"/>
-            <a:ext cx="4395537" cy="2862322"/>
-          </a:xfrm>
-          <a:prstGeom prst="rect">
-            <a:avLst/>
-          </a:prstGeom>
-          <a:noFill/>
-        </p:spPr>
-        <p:txBody>
-          <a:bodyPr wrap="square" rtlCol="0">
-            <a:spAutoFit/>
-          </a:bodyPr>
-          <a:lstStyle/>
-          <a:p>
-            <a:pPr marL="285750" indent="-285750">
-              <a:buFont typeface="Arial" panose="020B0604020202020204" pitchFamily="34" charset="0"/>
-              <a:buChar char="•"/>
-            </a:pPr>
-            <a:r>
-              <a:rPr lang="en-US" dirty="0"/>
-              <a:t>Short cycles</a:t>
-            </a:r>
-          </a:p>
-          <a:p>
-            <a:endParaRPr lang="en-US" dirty="0"/>
-          </a:p>
-          <a:p>
-            <a:pPr marL="285750" indent="-285750">
-              <a:buFont typeface="Arial" panose="020B0604020202020204" pitchFamily="34" charset="0"/>
-              <a:buChar char="•"/>
-            </a:pPr>
-            <a:r>
-              <a:rPr lang="en-US" dirty="0"/>
-              <a:t>Write what you want your code to do (failing test)</a:t>
-            </a:r>
-          </a:p>
-          <a:p>
-            <a:endParaRPr lang="en-US" dirty="0"/>
-          </a:p>
-          <a:p>
-            <a:pPr marL="285750" indent="-285750">
-              <a:buFont typeface="Arial" panose="020B0604020202020204" pitchFamily="34" charset="0"/>
-              <a:buChar char="•"/>
-            </a:pPr>
-            <a:r>
-              <a:rPr lang="en-US" dirty="0"/>
-              <a:t>Make your code do that in the simplest way possible (make test pass)</a:t>
-            </a:r>
-          </a:p>
-          <a:p>
-            <a:pPr marL="285750" indent="-285750">
-              <a:buFont typeface="Arial" panose="020B0604020202020204" pitchFamily="34" charset="0"/>
-              <a:buChar char="•"/>
-            </a:pPr>
-            <a:endParaRPr lang="en-US" dirty="0"/>
-          </a:p>
-          <a:p>
-            <a:pPr marL="285750" indent="-285750">
-              <a:buFont typeface="Arial" panose="020B0604020202020204" pitchFamily="34" charset="0"/>
-              <a:buChar char="•"/>
-            </a:pPr>
-            <a:r>
-              <a:rPr lang="en-US" dirty="0"/>
-              <a:t>Look for patterns and clean up behind (refactor)</a:t>
-            </a:r>
-          </a:p>
-        </p:txBody>
-      </p:sp>
     </p:spTree>
     <p:extLst>
       <p:ext uri="{BB962C8B-B14F-4D97-AF65-F5344CB8AC3E}">
-        <p14:creationId xmlns:p14="http://schemas.microsoft.com/office/powerpoint/2010/main" val="1794587301"/>
+        <p14:creationId xmlns:p14="http://schemas.microsoft.com/office/powerpoint/2010/main" val="2170364565"/>
       </p:ext>
     </p:extLst>
   </p:cSld>
@@ -4646,10 +4799,143 @@
       </p:transition>
     </mc:Fallback>
   </mc:AlternateContent>
+  <p:timing>
+    <p:tnLst>
+      <p:par>
+        <p:cTn id="1" dur="indefinite" restart="never" nodeType="tmRoot"/>
+      </p:par>
+    </p:tnLst>
+  </p:timing>
 </p:sld>
 </file>
 
-<file path=ppt/slides/slide5.xml><?xml version="1.0" encoding="utf-8"?>
+<file path=ppt/slides/slide6.xml><?xml version="1.0" encoding="utf-8"?>
+<p:sld xmlns:a="http://schemas.openxmlformats.org/drawingml/2006/main" xmlns:r="http://schemas.openxmlformats.org/officeDocument/2006/relationships" xmlns:p="http://schemas.openxmlformats.org/presentationml/2006/main">
+  <p:cSld>
+    <p:spTree>
+      <p:nvGrpSpPr>
+        <p:cNvPr id="1" name=""/>
+        <p:cNvGrpSpPr/>
+        <p:nvPr/>
+      </p:nvGrpSpPr>
+      <p:grpSpPr>
+        <a:xfrm>
+          <a:off x="0" y="0"/>
+          <a:ext cx="0" cy="0"/>
+          <a:chOff x="0" y="0"/>
+          <a:chExt cx="0" cy="0"/>
+        </a:xfrm>
+      </p:grpSpPr>
+      <p:sp>
+        <p:nvSpPr>
+          <p:cNvPr id="2" name="Title 1"/>
+          <p:cNvSpPr>
+            <a:spLocks noGrp="1"/>
+          </p:cNvSpPr>
+          <p:nvPr>
+            <p:ph type="title"/>
+          </p:nvPr>
+        </p:nvSpPr>
+        <p:spPr/>
+        <p:txBody>
+          <a:bodyPr/>
+          <a:lstStyle/>
+          <a:p>
+            <a:r>
+              <a:rPr lang="en-US" dirty="0" smtClean="0"/>
+              <a:t>Why do it?</a:t>
+            </a:r>
+            <a:endParaRPr lang="en-US" dirty="0"/>
+          </a:p>
+        </p:txBody>
+      </p:sp>
+      <p:sp>
+        <p:nvSpPr>
+          <p:cNvPr id="3" name="Content Placeholder 2"/>
+          <p:cNvSpPr>
+            <a:spLocks noGrp="1"/>
+          </p:cNvSpPr>
+          <p:nvPr>
+            <p:ph idx="1"/>
+          </p:nvPr>
+        </p:nvSpPr>
+        <p:spPr/>
+        <p:txBody>
+          <a:bodyPr/>
+          <a:lstStyle/>
+          <a:p>
+            <a:r>
+              <a:rPr lang="en-US" dirty="0" smtClean="0"/>
+              <a:t>Testing </a:t>
+            </a:r>
+            <a:r>
+              <a:rPr lang="en-US" dirty="0"/>
+              <a:t>your code manually is not </a:t>
+            </a:r>
+            <a:r>
+              <a:rPr lang="en-US" dirty="0" smtClean="0"/>
+              <a:t>fun</a:t>
+            </a:r>
+          </a:p>
+          <a:p>
+            <a:endParaRPr lang="en-US" dirty="0"/>
+          </a:p>
+          <a:p>
+            <a:r>
+              <a:rPr lang="en-US" dirty="0" smtClean="0"/>
+              <a:t>Debugging takes a lot of time</a:t>
+            </a:r>
+            <a:endParaRPr lang="en-US" dirty="0"/>
+          </a:p>
+          <a:p>
+            <a:endParaRPr lang="en-US" dirty="0"/>
+          </a:p>
+          <a:p>
+            <a:r>
+              <a:rPr lang="en-US" dirty="0"/>
+              <a:t>Machines are </a:t>
+            </a:r>
+            <a:r>
+              <a:rPr lang="en-US" dirty="0" smtClean="0"/>
+              <a:t>faster</a:t>
+            </a:r>
+            <a:endParaRPr lang="en-US" dirty="0"/>
+          </a:p>
+        </p:txBody>
+      </p:sp>
+    </p:spTree>
+    <p:extLst>
+      <p:ext uri="{BB962C8B-B14F-4D97-AF65-F5344CB8AC3E}">
+        <p14:creationId xmlns:p14="http://schemas.microsoft.com/office/powerpoint/2010/main" val="2800056534"/>
+      </p:ext>
+    </p:extLst>
+  </p:cSld>
+  <p:clrMapOvr>
+    <a:masterClrMapping/>
+  </p:clrMapOvr>
+  <mc:AlternateContent xmlns:mc="http://schemas.openxmlformats.org/markup-compatibility/2006" xmlns:p14="http://schemas.microsoft.com/office/powerpoint/2010/main">
+    <mc:Choice Requires="p14">
+      <p:transition spd="med" p14:dur="700">
+        <p:fade/>
+      </p:transition>
+    </mc:Choice>
+    <mc:Fallback xmlns="">
+      <p:transition spd="med">
+        <p:fade/>
+      </p:transition>
+    </mc:Fallback>
+  </mc:AlternateContent>
+  <p:timing>
+    <p:tnLst>
+      <p:par>
+        <p:cTn id="1" dur="indefinite" restart="never" nodeType="tmRoot"/>
+      </p:par>
+    </p:tnLst>
+  </p:timing>
+</p:sld>
+</file>
+
+<file path=ppt/slides/slide7.xml><?xml version="1.0" encoding="utf-8"?>
 <p:sld xmlns:a="http://schemas.openxmlformats.org/drawingml/2006/main" xmlns:r="http://schemas.openxmlformats.org/officeDocument/2006/relationships" xmlns:p="http://schemas.openxmlformats.org/presentationml/2006/main">
   <p:cSld>
     <p:spTree>
@@ -4782,10 +5068,17 @@
       </p:transition>
     </mc:Fallback>
   </mc:AlternateContent>
+  <p:timing>
+    <p:tnLst>
+      <p:par>
+        <p:cTn id="1" dur="indefinite" restart="never" nodeType="tmRoot"/>
+      </p:par>
+    </p:tnLst>
+  </p:timing>
 </p:sld>
 </file>
 
-<file path=ppt/slides/slide6.xml><?xml version="1.0" encoding="utf-8"?>
+<file path=ppt/slides/slide8.xml><?xml version="1.0" encoding="utf-8"?>
 <p:sld xmlns:a="http://schemas.openxmlformats.org/drawingml/2006/main" xmlns:r="http://schemas.openxmlformats.org/officeDocument/2006/relationships" xmlns:p="http://schemas.openxmlformats.org/presentationml/2006/main">
   <p:cSld>
     <p:spTree>
@@ -4814,7 +5107,7 @@
         </p:nvSpPr>
         <p:spPr>
           <a:xfrm>
-            <a:off x="2943726" y="2887579"/>
+            <a:off x="2991852" y="609600"/>
             <a:ext cx="6079958" cy="818148"/>
           </a:xfrm>
         </p:spPr>
@@ -4829,6 +5122,36 @@
           </a:p>
         </p:txBody>
       </p:sp>
+      <p:pic>
+        <p:nvPicPr>
+          <p:cNvPr id="3" name="Picture 2"/>
+          <p:cNvPicPr>
+            <a:picLocks noChangeAspect="1"/>
+          </p:cNvPicPr>
+          <p:nvPr/>
+        </p:nvPicPr>
+        <p:blipFill>
+          <a:blip r:embed="rId2">
+            <a:extLst>
+              <a:ext uri="{28A0092B-C50C-407E-A947-70E740481C1C}">
+                <a14:useLocalDpi xmlns:a14="http://schemas.microsoft.com/office/drawing/2010/main" val="0"/>
+              </a:ext>
+            </a:extLst>
+          </a:blip>
+          <a:stretch>
+            <a:fillRect/>
+          </a:stretch>
+        </p:blipFill>
+        <p:spPr>
+          <a:xfrm>
+            <a:off x="3810000" y="2143125"/>
+            <a:ext cx="4572000" cy="2571750"/>
+          </a:xfrm>
+          <a:prstGeom prst="rect">
+            <a:avLst/>
+          </a:prstGeom>
+        </p:spPr>
+      </p:pic>
     </p:spTree>
     <p:extLst>
       <p:ext uri="{BB962C8B-B14F-4D97-AF65-F5344CB8AC3E}">
@@ -4851,10 +5174,17 @@
       </p:transition>
     </mc:Fallback>
   </mc:AlternateContent>
+  <p:timing>
+    <p:tnLst>
+      <p:par>
+        <p:cTn id="1" dur="indefinite" restart="never" nodeType="tmRoot"/>
+      </p:par>
+    </p:tnLst>
+  </p:timing>
 </p:sld>
 </file>
 
-<file path=ppt/slides/slide7.xml><?xml version="1.0" encoding="utf-8"?>
+<file path=ppt/slides/slide9.xml><?xml version="1.0" encoding="utf-8"?>
 <p:sld xmlns:a="http://schemas.openxmlformats.org/drawingml/2006/main" xmlns:r="http://schemas.openxmlformats.org/officeDocument/2006/relationships" xmlns:p="http://schemas.openxmlformats.org/presentationml/2006/main">
   <p:cSld>
     <p:spTree>
@@ -4920,6 +5250,13 @@
       </p:transition>
     </mc:Fallback>
   </mc:AlternateContent>
+  <p:timing>
+    <p:tnLst>
+      <p:par>
+        <p:cTn id="1" dur="indefinite" restart="never" nodeType="tmRoot"/>
+      </p:par>
+    </p:tnLst>
+  </p:timing>
 </p:sld>
 </file>
 
